--- a/RAP Presentationen/EN/RAP_DEMO_DOKU_unmanaged_en.pptx
+++ b/RAP Presentationen/EN/RAP_DEMO_DOKU_unmanaged_en.pptx
@@ -271,7 +271,7 @@
           <a:p>
             <a:fld id="{6D5CDF9B-D398-4250-A5D8-5FB8CF89A66D}" type="datetimeFigureOut">
               <a:rPr lang="de-DE" smtClean="0"/>
-              <a:t>13.06.24</a:t>
+              <a:t>19.06.24</a:t>
             </a:fld>
             <a:endParaRPr lang="de-DE"/>
           </a:p>
@@ -469,7 +469,7 @@
           <a:p>
             <a:fld id="{6D5CDF9B-D398-4250-A5D8-5FB8CF89A66D}" type="datetimeFigureOut">
               <a:rPr lang="de-DE" smtClean="0"/>
-              <a:t>13.06.24</a:t>
+              <a:t>19.06.24</a:t>
             </a:fld>
             <a:endParaRPr lang="de-DE"/>
           </a:p>
@@ -677,7 +677,7 @@
           <a:p>
             <a:fld id="{6D5CDF9B-D398-4250-A5D8-5FB8CF89A66D}" type="datetimeFigureOut">
               <a:rPr lang="de-DE" smtClean="0"/>
-              <a:t>13.06.24</a:t>
+              <a:t>19.06.24</a:t>
             </a:fld>
             <a:endParaRPr lang="de-DE"/>
           </a:p>
@@ -875,7 +875,7 @@
           <a:p>
             <a:fld id="{6D5CDF9B-D398-4250-A5D8-5FB8CF89A66D}" type="datetimeFigureOut">
               <a:rPr lang="de-DE" smtClean="0"/>
-              <a:t>13.06.24</a:t>
+              <a:t>19.06.24</a:t>
             </a:fld>
             <a:endParaRPr lang="de-DE"/>
           </a:p>
@@ -1150,7 +1150,7 @@
           <a:p>
             <a:fld id="{6D5CDF9B-D398-4250-A5D8-5FB8CF89A66D}" type="datetimeFigureOut">
               <a:rPr lang="de-DE" smtClean="0"/>
-              <a:t>13.06.24</a:t>
+              <a:t>19.06.24</a:t>
             </a:fld>
             <a:endParaRPr lang="de-DE"/>
           </a:p>
@@ -1415,7 +1415,7 @@
           <a:p>
             <a:fld id="{6D5CDF9B-D398-4250-A5D8-5FB8CF89A66D}" type="datetimeFigureOut">
               <a:rPr lang="de-DE" smtClean="0"/>
-              <a:t>13.06.24</a:t>
+              <a:t>19.06.24</a:t>
             </a:fld>
             <a:endParaRPr lang="de-DE"/>
           </a:p>
@@ -1827,7 +1827,7 @@
           <a:p>
             <a:fld id="{6D5CDF9B-D398-4250-A5D8-5FB8CF89A66D}" type="datetimeFigureOut">
               <a:rPr lang="de-DE" smtClean="0"/>
-              <a:t>13.06.24</a:t>
+              <a:t>19.06.24</a:t>
             </a:fld>
             <a:endParaRPr lang="de-DE"/>
           </a:p>
@@ -1968,7 +1968,7 @@
           <a:p>
             <a:fld id="{6D5CDF9B-D398-4250-A5D8-5FB8CF89A66D}" type="datetimeFigureOut">
               <a:rPr lang="de-DE" smtClean="0"/>
-              <a:t>13.06.24</a:t>
+              <a:t>19.06.24</a:t>
             </a:fld>
             <a:endParaRPr lang="de-DE"/>
           </a:p>
@@ -2081,7 +2081,7 @@
           <a:p>
             <a:fld id="{6D5CDF9B-D398-4250-A5D8-5FB8CF89A66D}" type="datetimeFigureOut">
               <a:rPr lang="de-DE" smtClean="0"/>
-              <a:t>13.06.24</a:t>
+              <a:t>19.06.24</a:t>
             </a:fld>
             <a:endParaRPr lang="de-DE"/>
           </a:p>
@@ -2392,7 +2392,7 @@
           <a:p>
             <a:fld id="{6D5CDF9B-D398-4250-A5D8-5FB8CF89A66D}" type="datetimeFigureOut">
               <a:rPr lang="de-DE" smtClean="0"/>
-              <a:t>13.06.24</a:t>
+              <a:t>19.06.24</a:t>
             </a:fld>
             <a:endParaRPr lang="de-DE"/>
           </a:p>
@@ -2680,7 +2680,7 @@
           <a:p>
             <a:fld id="{6D5CDF9B-D398-4250-A5D8-5FB8CF89A66D}" type="datetimeFigureOut">
               <a:rPr lang="de-DE" smtClean="0"/>
-              <a:t>13.06.24</a:t>
+              <a:t>19.06.24</a:t>
             </a:fld>
             <a:endParaRPr lang="de-DE"/>
           </a:p>
@@ -2921,7 +2921,7 @@
           <a:p>
             <a:fld id="{6D5CDF9B-D398-4250-A5D8-5FB8CF89A66D}" type="datetimeFigureOut">
               <a:rPr lang="de-DE" smtClean="0"/>
-              <a:t>13.06.24</a:t>
+              <a:t>19.06.24</a:t>
             </a:fld>
             <a:endParaRPr lang="de-DE"/>
           </a:p>
@@ -3448,7 +3448,7 @@
           <a:p>
             <a:r>
               <a:rPr lang="de-DE" dirty="0"/>
-              <a:t>Table </a:t>
+              <a:t>Info: Table </a:t>
             </a:r>
             <a:r>
               <a:rPr lang="de-DE" dirty="0" err="1"/>
@@ -3541,7 +3541,7 @@
           <a:p>
             <a:r>
               <a:rPr lang="de-DE" dirty="0"/>
-              <a:t>Domain</a:t>
+              <a:t>Info: Domain</a:t>
             </a:r>
           </a:p>
         </p:txBody>
@@ -3631,7 +3631,7 @@
           <a:p>
             <a:r>
               <a:rPr lang="de-DE" dirty="0"/>
-              <a:t>Data Elements	</a:t>
+              <a:t>Info: Data Elements	</a:t>
             </a:r>
           </a:p>
         </p:txBody>
@@ -3720,8 +3720,12 @@
           <a:lstStyle/>
           <a:p>
             <a:r>
+              <a:rPr lang="de-DE"/>
+              <a:t>Info: Data </a:t>
+            </a:r>
+            <a:r>
               <a:rPr lang="de-DE" dirty="0"/>
-              <a:t>Data Elements	</a:t>
+              <a:t>Elements	</a:t>
             </a:r>
           </a:p>
         </p:txBody>
@@ -5854,7 +5858,7 @@
           <a:p>
             <a:r>
               <a:rPr lang="de-DE" dirty="0"/>
-              <a:t>Table </a:t>
+              <a:t>Info: Table </a:t>
             </a:r>
             <a:r>
               <a:rPr lang="de-DE" dirty="0" err="1"/>
